--- a/260202_HSSED.pptx
+++ b/260202_HSSED.pptx
@@ -217,7 +217,7 @@
           <a:p>
             <a:fld id="{0ADDEF31-9A11-4F0A-A620-7EBF3C796633}" type="datetimeFigureOut">
               <a:rPr lang="en-US" smtClean="0"/>
-              <a:t>06/02/26</a:t>
+              <a:t>2/7/2026</a:t>
             </a:fld>
             <a:endParaRPr lang="en-US"/>
           </a:p>
@@ -395,7 +395,7 @@
           <a:p>
             <a:fld id="{24DF70D0-9B73-4970-9F89-55AA4047F8EA}" type="datetimeFigureOut">
               <a:rPr lang="en-US" smtClean="0"/>
-              <a:t>06/02/26</a:t>
+              <a:t>2/7/2026</a:t>
             </a:fld>
             <a:endParaRPr lang="en-US"/>
           </a:p>
@@ -3045,7 +3045,7 @@
                   <a:tab pos="1085896" algn="l"/>
                 </a:tabLst>
               </a:pPr>
-              <a:t>06/02/26</a:t>
+              <a:t>2/7/2026</a:t>
             </a:fld>
             <a:endParaRPr lang="en-US" sz="1486" dirty="0">
               <a:solidFill>
@@ -11177,7 +11177,7 @@
                   <a:tab pos="1085896" algn="l"/>
                 </a:tabLst>
               </a:pPr>
-              <a:t>06/02/26</a:t>
+              <a:t>2/7/2026</a:t>
             </a:fld>
             <a:endParaRPr lang="en-US" sz="1486" dirty="0">
               <a:solidFill>
@@ -15412,7 +15412,7 @@
                 </a:tabLst>
                 <a:defRPr/>
               </a:pPr>
-              <a:t>06/02/2026</a:t>
+              <a:t>07/02/2026</a:t>
             </a:fld>
             <a:endParaRPr kumimoji="0" lang="en-US" sz="879" b="0" i="0" u="none" strike="noStrike" kern="0" cap="none" spc="0" normalizeH="0" baseline="0" noProof="0" dirty="0">
               <a:ln>
@@ -22630,7 +22630,7 @@
                 </a:tabLst>
                 <a:defRPr/>
               </a:pPr>
-              <a:t>06/02/2026</a:t>
+              <a:t>07/02/2026</a:t>
             </a:fld>
             <a:endParaRPr kumimoji="0" lang="en-US" sz="879" b="0" i="0" u="none" strike="noStrike" kern="0" cap="none" spc="0" normalizeH="0" baseline="0" noProof="0" dirty="0">
               <a:ln>
@@ -23432,7 +23432,7 @@
                 </a:tabLst>
                 <a:defRPr/>
               </a:pPr>
-              <a:t>06/02/2026</a:t>
+              <a:t>07/02/2026</a:t>
             </a:fld>
             <a:endParaRPr kumimoji="0" lang="en-US" sz="879" b="0" i="0" u="none" strike="noStrike" kern="0" cap="none" spc="0" normalizeH="0" baseline="0" noProof="0" dirty="0">
               <a:ln>
@@ -25194,7 +25194,7 @@
                   <a:tab pos="1085896" algn="l"/>
                 </a:tabLst>
               </a:pPr>
-              <a:t>06/02/26</a:t>
+              <a:t>2/7/2026</a:t>
             </a:fld>
             <a:endParaRPr lang="en-US" sz="1486" dirty="0">
               <a:solidFill>
@@ -47897,20 +47897,20 @@
 </file>
 
 <file path=customXml/item2.xml><?xml version="1.0" encoding="utf-8"?>
+<p:properties xmlns:p="http://schemas.microsoft.com/office/2006/metadata/properties" xmlns:xsi="http://www.w3.org/2001/XMLSchema-instance" xmlns:pc="http://schemas.microsoft.com/office/infopath/2007/PartnerControls">
+  <documentManagement>
+    <_activity xmlns="06041c2f-8daa-46cd-b1d1-5aab0cf4f768" xsi:nil="true"/>
+  </documentManagement>
+</p:properties>
+</file>
+
+<file path=customXml/item3.xml><?xml version="1.0" encoding="utf-8"?>
 <?mso-contentType ?>
 <FormTemplates xmlns="http://schemas.microsoft.com/sharepoint/v3/contenttype/forms">
   <Display>DocumentLibraryForm</Display>
   <Edit>DocumentLibraryForm</Edit>
   <New>DocumentLibraryForm</New>
 </FormTemplates>
-</file>
-
-<file path=customXml/item3.xml><?xml version="1.0" encoding="utf-8"?>
-<p:properties xmlns:p="http://schemas.microsoft.com/office/2006/metadata/properties" xmlns:xsi="http://www.w3.org/2001/XMLSchema-instance" xmlns:pc="http://schemas.microsoft.com/office/infopath/2007/PartnerControls">
-  <documentManagement>
-    <_activity xmlns="06041c2f-8daa-46cd-b1d1-5aab0cf4f768" xsi:nil="true"/>
-  </documentManagement>
-</p:properties>
 </file>
 
 <file path=customXml/itemProps1.xml><?xml version="1.0" encoding="utf-8"?>
@@ -47932,14 +47932,6 @@
 </file>
 
 <file path=customXml/itemProps2.xml><?xml version="1.0" encoding="utf-8"?>
-<ds:datastoreItem xmlns:ds="http://schemas.openxmlformats.org/officeDocument/2006/customXml" ds:itemID="{11420F6D-6B73-4B83-8B0D-D3361814E9ED}">
-  <ds:schemaRefs>
-    <ds:schemaRef ds:uri="http://schemas.microsoft.com/sharepoint/v3/contenttype/forms"/>
-  </ds:schemaRefs>
-</ds:datastoreItem>
-</file>
-
-<file path=customXml/itemProps3.xml><?xml version="1.0" encoding="utf-8"?>
 <ds:datastoreItem xmlns:ds="http://schemas.openxmlformats.org/officeDocument/2006/customXml" ds:itemID="{D040FF51-9CD7-41D8-B7F7-3EE043C81F7A}">
   <ds:schemaRefs>
     <ds:schemaRef ds:uri="http://www.w3.org/XML/1998/namespace"/>
@@ -47953,4 +47945,12 @@
     <ds:schemaRef ds:uri="http://schemas.microsoft.com/office/2006/metadata/properties"/>
   </ds:schemaRefs>
 </ds:datastoreItem>
+</file>
+
+<file path=customXml/itemProps3.xml><?xml version="1.0" encoding="utf-8"?>
+<ds:datastoreItem xmlns:ds="http://schemas.openxmlformats.org/officeDocument/2006/customXml" ds:itemID="{11420F6D-6B73-4B83-8B0D-D3361814E9ED}">
+  <ds:schemaRefs>
+    <ds:schemaRef ds:uri="http://schemas.microsoft.com/sharepoint/v3/contenttype/forms"/>
+  </ds:schemaRefs>
+</ds:datastoreItem>
 </file>